--- a/slides-steve/Chapter 11.pptx
+++ b/slides-steve/Chapter 11.pptx
@@ -66,8 +66,8 @@
     <p:sldId id="306" r:id="rId54"/>
     <p:sldId id="308" r:id="rId55"/>
     <p:sldId id="309" r:id="rId56"/>
-    <p:sldId id="310" r:id="rId57"/>
-    <p:sldId id="311" r:id="rId58"/>
+    <p:sldId id="311" r:id="rId57"/>
+    <p:sldId id="310" r:id="rId58"/>
   </p:sldIdLst>
   <p:sldSz cx="9144000" cy="6858000" type="screen4x3"/>
   <p:notesSz cx="6858000" cy="9144000"/>
@@ -267,7 +267,7 @@
           <a:p>
             <a:fld id="{DAD4FCBC-A7EA-AF41-8840-7EDD4891B2B2}" type="datetimeFigureOut">
               <a:rPr lang="en-US" smtClean="0"/>
-              <a:t>8/10/16</a:t>
+              <a:t>9/29/16</a:t>
             </a:fld>
             <a:endParaRPr lang="en-US"/>
           </a:p>
@@ -433,7 +433,7 @@
           <a:p>
             <a:fld id="{E0ECAE04-5052-BD4E-8B70-4C8AF6F8810C}" type="datetimeFigureOut">
               <a:rPr lang="en-US" smtClean="0"/>
-              <a:t>8/10/16</a:t>
+              <a:t>9/29/16</a:t>
             </a:fld>
             <a:endParaRPr lang="en-US"/>
           </a:p>
@@ -1461,7 +1461,7 @@
           <a:p>
             <a:fld id="{86101D45-A9CC-5C46-817F-E10C116B8195}" type="datetime1">
               <a:rPr lang="en-US" smtClean="0"/>
-              <a:t>8/10/16</a:t>
+              <a:t>9/29/16</a:t>
             </a:fld>
             <a:endParaRPr lang="en-US"/>
           </a:p>
@@ -1753,7 +1753,7 @@
           <a:p>
             <a:fld id="{E039EB49-D90C-0347-9A0B-3236574A0804}" type="datetime1">
               <a:rPr lang="en-US" smtClean="0"/>
-              <a:t>8/10/16</a:t>
+              <a:t>9/29/16</a:t>
             </a:fld>
             <a:endParaRPr lang="en-US"/>
           </a:p>
@@ -1875,7 +1875,7 @@
           <a:p>
             <a:fld id="{A727BAF2-CF59-2C4D-B4A1-D3665C60A364}" type="datetime1">
               <a:rPr lang="en-US" smtClean="0"/>
-              <a:t>8/10/16</a:t>
+              <a:t>9/29/16</a:t>
             </a:fld>
             <a:endParaRPr lang="en-US"/>
           </a:p>
@@ -1974,7 +1974,7 @@
           <a:p>
             <a:fld id="{7707CB4E-4D70-EB41-937C-9862BE8F2463}" type="datetime1">
               <a:rPr lang="en-US" smtClean="0"/>
-              <a:t>8/10/16</a:t>
+              <a:t>9/29/16</a:t>
             </a:fld>
             <a:endParaRPr lang="en-US"/>
           </a:p>
@@ -2220,7 +2220,7 @@
           <a:p>
             <a:fld id="{6CFDD5ED-6CC4-934F-9AD5-A9A4BC1FF16C}" type="datetime1">
               <a:rPr lang="en-US" smtClean="0"/>
-              <a:t>8/10/16</a:t>
+              <a:t>9/29/16</a:t>
             </a:fld>
             <a:endParaRPr lang="en-US"/>
           </a:p>
@@ -2466,7 +2466,7 @@
           <a:p>
             <a:fld id="{0C19AB8A-885B-314D-9F7E-CECE8A462B23}" type="datetime1">
               <a:rPr lang="en-US" smtClean="0"/>
-              <a:t>8/10/16</a:t>
+              <a:t>9/29/16</a:t>
             </a:fld>
             <a:endParaRPr lang="en-US"/>
           </a:p>
@@ -2978,7 +2978,7 @@
           <a:p>
             <a:fld id="{419CA389-C852-C042-860B-5551DE1D768F}" type="datetime1">
               <a:rPr lang="en-US" smtClean="0"/>
-              <a:t>8/10/16</a:t>
+              <a:t>9/29/16</a:t>
             </a:fld>
             <a:endParaRPr lang="en-US"/>
           </a:p>
@@ -3119,7 +3119,7 @@
           <a:p>
             <a:fld id="{9294C250-66F3-3843-A211-9E26A84FFD40}" type="datetime1">
               <a:rPr lang="en-US" smtClean="0"/>
-              <a:t>8/10/16</a:t>
+              <a:t>9/29/16</a:t>
             </a:fld>
             <a:endParaRPr lang="en-US"/>
           </a:p>
@@ -3291,7 +3291,7 @@
           <a:p>
             <a:fld id="{8B97A1FF-8A72-A549-B61A-868A4288B422}" type="datetime1">
               <a:rPr lang="en-US" smtClean="0"/>
-              <a:t>8/10/16</a:t>
+              <a:t>9/29/16</a:t>
             </a:fld>
             <a:endParaRPr lang="en-US"/>
           </a:p>
@@ -3493,7 +3493,7 @@
           <a:p>
             <a:fld id="{9F403033-19C4-694A-8EE8-7BA87E12500C}" type="datetime1">
               <a:rPr lang="en-US" smtClean="0"/>
-              <a:t>8/10/16</a:t>
+              <a:t>9/29/16</a:t>
             </a:fld>
             <a:endParaRPr lang="en-US"/>
           </a:p>
@@ -3663,7 +3663,7 @@
           <a:p>
             <a:fld id="{54351891-0171-8C47-8DBB-40D91910FEED}" type="datetime1">
               <a:rPr lang="en-US" smtClean="0"/>
-              <a:t>8/10/16</a:t>
+              <a:t>9/29/16</a:t>
             </a:fld>
             <a:endParaRPr lang="en-US"/>
           </a:p>
@@ -3850,7 +3850,7 @@
           <a:p>
             <a:fld id="{318F5E47-5D8E-F645-8316-2297B35DDACB}" type="datetime1">
               <a:rPr lang="en-US" smtClean="0"/>
-              <a:t>8/10/16</a:t>
+              <a:t>9/29/16</a:t>
             </a:fld>
             <a:endParaRPr lang="en-US"/>
           </a:p>
@@ -4073,7 +4073,7 @@
           <a:p>
             <a:fld id="{C7DB657B-9290-D944-B589-355F5A16FA1E}" type="datetime1">
               <a:rPr lang="en-US" smtClean="0"/>
-              <a:t>8/10/16</a:t>
+              <a:t>9/29/16</a:t>
             </a:fld>
             <a:endParaRPr lang="en-US"/>
           </a:p>
@@ -4281,7 +4281,7 @@
           <a:p>
             <a:fld id="{017D5088-7AC7-6345-A394-E51856F5FDC3}" type="datetime1">
               <a:rPr lang="en-US" smtClean="0"/>
-              <a:t>8/10/16</a:t>
+              <a:t>9/29/16</a:t>
             </a:fld>
             <a:endParaRPr lang="en-US"/>
           </a:p>
@@ -4431,10 +4431,10 @@
               <a:t>And keep in </a:t>
             </a:r>
             <a:r>
-              <a:rPr lang="en-US" smtClean="0"/>
-              <a:t>password safe</a:t>
-            </a:r>
-            <a:endParaRPr lang="en-US"/>
+              <a:rPr lang="en-US" dirty="0" smtClean="0"/>
+              <a:t>a password safe (aka vault)</a:t>
+            </a:r>
+            <a:endParaRPr lang="en-US" dirty="0"/>
           </a:p>
         </p:txBody>
       </p:sp>
@@ -4455,7 +4455,7 @@
           <a:p>
             <a:fld id="{86101D45-A9CC-5C46-817F-E10C116B8195}" type="datetime1">
               <a:rPr lang="en-US" smtClean="0"/>
-              <a:t>8/10/16</a:t>
+              <a:t>9/29/16</a:t>
             </a:fld>
             <a:endParaRPr lang="en-US"/>
           </a:p>
@@ -4869,7 +4869,7 @@
           <a:p>
             <a:fld id="{C44F6E1C-0A2A-7B44-8E7D-CCE945C956B4}" type="datetime1">
               <a:rPr lang="en-US" smtClean="0"/>
-              <a:t>8/10/16</a:t>
+              <a:t>9/29/16</a:t>
             </a:fld>
             <a:endParaRPr lang="en-US"/>
           </a:p>
@@ -5033,7 +5033,7 @@
           <a:p>
             <a:fld id="{7BA19D6F-1FD6-0A45-A37D-369452ECDE4A}" type="datetime1">
               <a:rPr lang="en-US" smtClean="0"/>
-              <a:t>8/10/16</a:t>
+              <a:t>9/29/16</a:t>
             </a:fld>
             <a:endParaRPr lang="en-US"/>
           </a:p>
@@ -5412,7 +5412,7 @@
           <a:p>
             <a:fld id="{2F5A1335-ACD2-5E43-911C-D76196F2E3E6}" type="datetime1">
               <a:rPr lang="en-US" smtClean="0"/>
-              <a:t>8/10/16</a:t>
+              <a:t>9/29/16</a:t>
             </a:fld>
             <a:endParaRPr lang="en-US"/>
           </a:p>
@@ -5578,7 +5578,7 @@
           <a:p>
             <a:fld id="{A9296CCD-DA80-634A-A5BE-B4419624F432}" type="datetime1">
               <a:rPr lang="en-US" smtClean="0"/>
-              <a:t>8/10/16</a:t>
+              <a:t>9/29/16</a:t>
             </a:fld>
             <a:endParaRPr lang="en-US"/>
           </a:p>
@@ -5768,7 +5768,7 @@
           <a:p>
             <a:fld id="{A5550337-BB9B-054A-95A6-11EBDB65D9B4}" type="datetime1">
               <a:rPr lang="en-US" smtClean="0"/>
-              <a:t>8/10/16</a:t>
+              <a:t>9/29/16</a:t>
             </a:fld>
             <a:endParaRPr lang="en-US"/>
           </a:p>
@@ -5979,7 +5979,7 @@
           <a:p>
             <a:fld id="{CC6E6366-C7CC-EA4A-A309-329118CCC9F9}" type="datetime1">
               <a:rPr lang="en-US" smtClean="0"/>
-              <a:t>8/10/16</a:t>
+              <a:t>9/29/16</a:t>
             </a:fld>
             <a:endParaRPr lang="en-US"/>
           </a:p>
@@ -6145,7 +6145,7 @@
           <a:p>
             <a:fld id="{8667F782-CD71-824A-8462-10B114BDD4E1}" type="datetime1">
               <a:rPr lang="en-US" smtClean="0"/>
-              <a:t>8/10/16</a:t>
+              <a:t>9/29/16</a:t>
             </a:fld>
             <a:endParaRPr lang="en-US"/>
           </a:p>
@@ -6333,7 +6333,7 @@
           <a:p>
             <a:fld id="{6B936EE5-4415-F24D-9E0F-7F51CB0A0E3A}" type="datetime1">
               <a:rPr lang="en-US" smtClean="0"/>
-              <a:t>8/10/16</a:t>
+              <a:t>9/29/16</a:t>
             </a:fld>
             <a:endParaRPr lang="en-US"/>
           </a:p>
@@ -6543,7 +6543,7 @@
           <a:p>
             <a:fld id="{6CD84E05-6FD7-114A-ABD2-F7C1168C6A45}" type="datetime1">
               <a:rPr lang="en-US" smtClean="0"/>
-              <a:t>8/10/16</a:t>
+              <a:t>9/29/16</a:t>
             </a:fld>
             <a:endParaRPr lang="en-US"/>
           </a:p>
@@ -6753,7 +6753,7 @@
           <a:p>
             <a:fld id="{298B9696-952B-6347-BAEE-166C1B84E672}" type="datetime1">
               <a:rPr lang="en-US" smtClean="0"/>
-              <a:t>8/10/16</a:t>
+              <a:t>9/29/16</a:t>
             </a:fld>
             <a:endParaRPr lang="en-US"/>
           </a:p>
@@ -6937,7 +6937,7 @@
           <a:p>
             <a:fld id="{92E2994C-ECC2-A446-95DE-C6D1BD11CED4}" type="datetime1">
               <a:rPr lang="en-US" smtClean="0"/>
-              <a:t>8/10/16</a:t>
+              <a:t>9/29/16</a:t>
             </a:fld>
             <a:endParaRPr lang="en-US"/>
           </a:p>
@@ -7127,7 +7127,7 @@
           <a:p>
             <a:fld id="{1809786D-BBD4-F64F-A200-C61F524E6750}" type="datetime1">
               <a:rPr lang="en-US" smtClean="0"/>
-              <a:t>8/10/16</a:t>
+              <a:t>9/29/16</a:t>
             </a:fld>
             <a:endParaRPr lang="en-US"/>
           </a:p>
@@ -7275,7 +7275,15 @@
             <a:pPr lvl="1"/>
             <a:r>
               <a:rPr lang="en-US" dirty="0" smtClean="0"/>
-              <a:t>At the very, that should be everyone’s attitude</a:t>
+              <a:t>At the </a:t>
+            </a:r>
+            <a:r>
+              <a:rPr lang="en-US" dirty="0" smtClean="0"/>
+              <a:t>very least, </a:t>
+            </a:r>
+            <a:r>
+              <a:rPr lang="en-US" dirty="0" smtClean="0"/>
+              <a:t>that should be everyone’s attitude</a:t>
             </a:r>
           </a:p>
           <a:p>
@@ -7318,7 +7326,7 @@
           <a:p>
             <a:fld id="{EC4A04DE-C44D-1C48-A35A-17B4DC9AAE76}" type="datetime1">
               <a:rPr lang="en-US" smtClean="0"/>
-              <a:t>8/10/16</a:t>
+              <a:t>9/29/16</a:t>
             </a:fld>
             <a:endParaRPr lang="en-US"/>
           </a:p>
@@ -7524,7 +7532,7 @@
           <a:p>
             <a:fld id="{CA707748-E5F5-184C-B461-C7F3B46C6BB8}" type="datetime1">
               <a:rPr lang="en-US" smtClean="0"/>
-              <a:t>8/10/16</a:t>
+              <a:t>9/29/16</a:t>
             </a:fld>
             <a:endParaRPr lang="en-US"/>
           </a:p>
@@ -7702,7 +7710,7 @@
           <a:p>
             <a:fld id="{BC43D183-DF77-A449-A6AC-EA8CE7BD1107}" type="datetime1">
               <a:rPr lang="en-US" smtClean="0"/>
-              <a:t>8/10/16</a:t>
+              <a:t>9/29/16</a:t>
             </a:fld>
             <a:endParaRPr lang="en-US"/>
           </a:p>
@@ -7868,7 +7876,7 @@
           <a:p>
             <a:fld id="{97DD660B-BB1E-744C-A295-E5282D8E0A3F}" type="datetime1">
               <a:rPr lang="en-US" smtClean="0"/>
-              <a:t>8/10/16</a:t>
+              <a:t>9/29/16</a:t>
             </a:fld>
             <a:endParaRPr lang="en-US"/>
           </a:p>
@@ -8034,7 +8042,7 @@
           <a:p>
             <a:fld id="{E79AD0BD-C93A-7C49-B2B7-9712D073F202}" type="datetime1">
               <a:rPr lang="en-US" smtClean="0"/>
-              <a:t>8/10/16</a:t>
+              <a:t>9/29/16</a:t>
             </a:fld>
             <a:endParaRPr lang="en-US"/>
           </a:p>
@@ -9010,7 +9018,7 @@
           <a:p>
             <a:fld id="{F061B6DA-B9ED-3440-8B25-21A83A977E6F}" type="datetime1">
               <a:rPr lang="en-US" smtClean="0"/>
-              <a:t>8/10/16</a:t>
+              <a:t>9/29/16</a:t>
             </a:fld>
             <a:endParaRPr lang="en-US"/>
           </a:p>
@@ -10326,7 +10334,7 @@
           <a:p>
             <a:fld id="{E657BC90-5A09-4E47-A853-E8492D42B29D}" type="datetime1">
               <a:rPr lang="en-US" smtClean="0"/>
-              <a:t>8/10/16</a:t>
+              <a:t>9/29/16</a:t>
             </a:fld>
             <a:endParaRPr lang="en-US"/>
           </a:p>
@@ -10523,7 +10531,7 @@
           <a:p>
             <a:fld id="{D19B239D-900D-4D4E-A8ED-2EDBF12471DA}" type="datetime1">
               <a:rPr lang="en-US" smtClean="0"/>
-              <a:t>8/10/16</a:t>
+              <a:t>9/29/16</a:t>
             </a:fld>
             <a:endParaRPr lang="en-US"/>
           </a:p>
@@ -10685,14 +10693,30 @@
             <a:pPr lvl="1"/>
             <a:r>
               <a:rPr lang="en-US" dirty="0" smtClean="0"/>
-              <a:t>Both side share same password/key/code book…</a:t>
+              <a:t>Both </a:t>
+            </a:r>
+            <a:r>
+              <a:rPr lang="en-US" dirty="0" smtClean="0"/>
+              <a:t>sides </a:t>
+            </a:r>
+            <a:r>
+              <a:rPr lang="en-US" dirty="0" smtClean="0"/>
+              <a:t>share same password/key/code book…</a:t>
             </a:r>
           </a:p>
           <a:p>
             <a:pPr lvl="1"/>
             <a:r>
               <a:rPr lang="en-US" dirty="0" smtClean="0"/>
-              <a:t>Known as private key systems because anyone can decrypt if have the key, therefor key must be kept private</a:t>
+              <a:t>Known as private key systems because anyone can decrypt if have the key, </a:t>
+            </a:r>
+            <a:r>
+              <a:rPr lang="en-US" dirty="0" smtClean="0"/>
+              <a:t>therefore </a:t>
+            </a:r>
+            <a:r>
+              <a:rPr lang="en-US" dirty="0" smtClean="0"/>
+              <a:t>key must be kept private</a:t>
             </a:r>
             <a:endParaRPr lang="en-US" dirty="0"/>
           </a:p>
@@ -10715,7 +10739,7 @@
           <a:p>
             <a:fld id="{77B6A1E2-BC41-E045-8387-4A33DEB5DA6E}" type="datetime1">
               <a:rPr lang="en-US" smtClean="0"/>
-              <a:t>8/10/16</a:t>
+              <a:t>9/29/16</a:t>
             </a:fld>
             <a:endParaRPr lang="en-US"/>
           </a:p>
@@ -10909,7 +10933,7 @@
           <a:p>
             <a:fld id="{063DE96D-747A-BF4B-8A7D-C5557150D595}" type="datetime1">
               <a:rPr lang="en-US" smtClean="0"/>
-              <a:t>8/10/16</a:t>
+              <a:t>9/29/16</a:t>
             </a:fld>
             <a:endParaRPr lang="en-US"/>
           </a:p>
@@ -11091,7 +11115,7 @@
           <a:p>
             <a:fld id="{C8034FB6-1D17-F849-8835-9A4C21E45B6E}" type="datetime1">
               <a:rPr lang="en-US" smtClean="0"/>
-              <a:t>8/10/16</a:t>
+              <a:t>9/29/16</a:t>
             </a:fld>
             <a:endParaRPr lang="en-US"/>
           </a:p>
@@ -11273,7 +11297,7 @@
           <a:p>
             <a:fld id="{B0A77951-F21C-EA46-9D26-A20E7342217A}" type="datetime1">
               <a:rPr lang="en-US" smtClean="0"/>
-              <a:t>8/10/16</a:t>
+              <a:t>9/29/16</a:t>
             </a:fld>
             <a:endParaRPr lang="en-US"/>
           </a:p>
@@ -11442,7 +11466,7 @@
           <a:p>
             <a:fld id="{F9CDC3A9-37EF-234A-AF7A-797E6FD9CCFA}" type="datetime1">
               <a:rPr lang="en-US" smtClean="0"/>
-              <a:t>8/10/16</a:t>
+              <a:t>9/29/16</a:t>
             </a:fld>
             <a:endParaRPr lang="en-US"/>
           </a:p>
@@ -11717,7 +11741,7 @@
           <a:p>
             <a:fld id="{CA3DC2B3-0F28-7C45-98E2-B36AA828D0D3}" type="datetime1">
               <a:rPr lang="en-US" smtClean="0"/>
-              <a:t>8/10/16</a:t>
+              <a:t>9/29/16</a:t>
             </a:fld>
             <a:endParaRPr lang="en-US"/>
           </a:p>
@@ -11915,7 +11939,7 @@
           <a:p>
             <a:fld id="{BC40F3A4-BDDC-7A4B-B128-058FB00F816D}" type="datetime1">
               <a:rPr lang="en-US" smtClean="0"/>
-              <a:t>8/10/16</a:t>
+              <a:t>9/29/16</a:t>
             </a:fld>
             <a:endParaRPr lang="en-US"/>
           </a:p>
@@ -12109,7 +12133,7 @@
           <a:p>
             <a:fld id="{05EBA81A-0A09-8B45-A24A-F9B267CA5A66}" type="datetime1">
               <a:rPr lang="en-US" smtClean="0"/>
-              <a:t>8/10/16</a:t>
+              <a:t>9/29/16</a:t>
             </a:fld>
             <a:endParaRPr lang="en-US"/>
           </a:p>
@@ -12300,7 +12324,7 @@
           <a:p>
             <a:fld id="{076C1793-C5D2-524E-98E7-04FCA849C7F9}" type="datetime1">
               <a:rPr lang="en-US" smtClean="0"/>
-              <a:t>8/10/16</a:t>
+              <a:t>9/29/16</a:t>
             </a:fld>
             <a:endParaRPr lang="en-US"/>
           </a:p>
@@ -12480,7 +12504,7 @@
           <a:p>
             <a:fld id="{D6948D91-5753-DC4B-920A-D14177866A97}" type="datetime1">
               <a:rPr lang="en-US" smtClean="0"/>
-              <a:t>8/10/16</a:t>
+              <a:t>9/29/16</a:t>
             </a:fld>
             <a:endParaRPr lang="en-US"/>
           </a:p>
@@ -12596,7 +12620,11 @@
           <a:bodyPr/>
           <a:lstStyle/>
           <a:p>
-            <a:endParaRPr lang="en-US"/>
+            <a:r>
+              <a:rPr lang="en-US" dirty="0" smtClean="0"/>
+              <a:t>Certificate Authorities</a:t>
+            </a:r>
+            <a:endParaRPr lang="en-US" dirty="0"/>
           </a:p>
         </p:txBody>
       </p:sp>
@@ -12642,7 +12670,7 @@
           <a:p>
             <a:fld id="{1495A89B-F000-AB48-A690-F68F1B9BC6D8}" type="datetime1">
               <a:rPr lang="en-US" smtClean="0"/>
-              <a:t>8/10/16</a:t>
+              <a:t>9/29/16</a:t>
             </a:fld>
             <a:endParaRPr lang="en-US"/>
           </a:p>
@@ -12812,7 +12840,7 @@
           <a:p>
             <a:fld id="{86101D45-A9CC-5C46-817F-E10C116B8195}" type="datetime1">
               <a:rPr lang="en-US" smtClean="0"/>
-              <a:t>8/10/16</a:t>
+              <a:t>9/29/16</a:t>
             </a:fld>
             <a:endParaRPr lang="en-US"/>
           </a:p>
@@ -12941,8 +12969,13 @@
           <a:p>
             <a:r>
               <a:rPr lang="en-US" dirty="0" smtClean="0"/>
-              <a:t>Anything you can do, so can someone else</a:t>
-            </a:r>
+              <a:t>Anything you can do, </a:t>
+            </a:r>
+            <a:r>
+              <a:rPr lang="en-US" dirty="0" smtClean="0"/>
+              <a:t>someone else can, too</a:t>
+            </a:r>
+            <a:endParaRPr lang="en-US" dirty="0" smtClean="0"/>
           </a:p>
           <a:p>
             <a:r>
@@ -12967,25 +13000,30 @@
           <a:p>
             <a:pPr lvl="1"/>
             <a:r>
-              <a:rPr lang="en-US" dirty="0"/>
+              <a:rPr lang="en-US" dirty="0">
+                <a:hlinkClick r:id="rId2"/>
+              </a:rPr>
               <a:t>http://</a:t>
             </a:r>
             <a:r>
-              <a:rPr lang="en-US" dirty="0" err="1"/>
+              <a:rPr lang="en-US" dirty="0" err="1" smtClean="0">
+                <a:hlinkClick r:id="rId2"/>
+              </a:rPr>
               <a:t>hackerwarehouse.com</a:t>
             </a:r>
             <a:r>
-              <a:rPr lang="en-US" dirty="0"/>
+              <a:rPr lang="en-US" dirty="0" smtClean="0">
+                <a:hlinkClick r:id="rId2"/>
+              </a:rPr>
               <a:t>/product/</a:t>
             </a:r>
             <a:r>
-              <a:rPr lang="en-US" dirty="0" err="1"/>
+              <a:rPr lang="en-US" dirty="0" err="1" smtClean="0">
+                <a:hlinkClick r:id="rId2"/>
+              </a:rPr>
               <a:t>keygrabber</a:t>
             </a:r>
-            <a:r>
-              <a:rPr lang="en-US" dirty="0"/>
-              <a:t>/</a:t>
-            </a:r>
+            <a:endParaRPr lang="en-US" dirty="0"/>
           </a:p>
         </p:txBody>
       </p:sp>
@@ -13006,7 +13044,7 @@
           <a:p>
             <a:fld id="{86101D45-A9CC-5C46-817F-E10C116B8195}" type="datetime1">
               <a:rPr lang="en-US" smtClean="0"/>
-              <a:t>8/10/16</a:t>
+              <a:t>9/29/16</a:t>
             </a:fld>
             <a:endParaRPr lang="en-US"/>
           </a:p>
@@ -13161,7 +13199,15 @@
             <a:pPr lvl="1"/>
             <a:r>
               <a:rPr lang="en-US" dirty="0" smtClean="0"/>
-              <a:t>Always be very care downloading programs</a:t>
+              <a:t>Always be very </a:t>
+            </a:r>
+            <a:r>
+              <a:rPr lang="en-US" dirty="0" smtClean="0"/>
+              <a:t>careful </a:t>
+            </a:r>
+            <a:r>
+              <a:rPr lang="en-US" dirty="0" smtClean="0"/>
+              <a:t>downloading programs</a:t>
             </a:r>
           </a:p>
           <a:p>
@@ -13191,7 +13237,7 @@
           <a:p>
             <a:fld id="{86101D45-A9CC-5C46-817F-E10C116B8195}" type="datetime1">
               <a:rPr lang="en-US" smtClean="0"/>
-              <a:t>8/10/16</a:t>
+              <a:t>9/29/16</a:t>
             </a:fld>
             <a:endParaRPr lang="en-US"/>
           </a:p>
@@ -13327,7 +13373,7 @@
           <a:p>
             <a:fld id="{5CCA0D8D-04D3-164A-B343-F4E87B2BD05F}" type="datetime1">
               <a:rPr lang="en-US" smtClean="0"/>
-              <a:t>8/10/16</a:t>
+              <a:t>9/29/16</a:t>
             </a:fld>
             <a:endParaRPr lang="en-US"/>
           </a:p>
@@ -13526,7 +13572,7 @@
           <a:p>
             <a:fld id="{86101D45-A9CC-5C46-817F-E10C116B8195}" type="datetime1">
               <a:rPr lang="en-US" smtClean="0"/>
-              <a:t>8/10/16</a:t>
+              <a:t>9/29/16</a:t>
             </a:fld>
             <a:endParaRPr lang="en-US"/>
           </a:p>
@@ -13659,7 +13705,15 @@
           <a:p>
             <a:r>
               <a:rPr lang="en-US" dirty="0" smtClean="0"/>
-              <a:t>Any of the above malware in control of your computer</a:t>
+              <a:t>Any of the above malware </a:t>
+            </a:r>
+            <a:r>
+              <a:rPr lang="en-US" dirty="0" smtClean="0"/>
+              <a:t>may be in </a:t>
+            </a:r>
+            <a:r>
+              <a:rPr lang="en-US" dirty="0" smtClean="0"/>
+              <a:t>control of your computer</a:t>
             </a:r>
           </a:p>
           <a:p>
@@ -13717,7 +13771,7 @@
           <a:p>
             <a:fld id="{86101D45-A9CC-5C46-817F-E10C116B8195}" type="datetime1">
               <a:rPr lang="en-US" smtClean="0"/>
-              <a:t>8/10/16</a:t>
+              <a:t>9/29/16</a:t>
             </a:fld>
             <a:endParaRPr lang="en-US"/>
           </a:p>
@@ -13871,7 +13925,7 @@
           <a:p>
             <a:fld id="{86101D45-A9CC-5C46-817F-E10C116B8195}" type="datetime1">
               <a:rPr lang="en-US" smtClean="0"/>
-              <a:t>8/10/16</a:t>
+              <a:t>9/29/16</a:t>
             </a:fld>
             <a:endParaRPr lang="en-US"/>
           </a:p>
@@ -14011,17 +14065,18 @@
           </a:p>
           <a:p>
             <a:r>
-              <a:rPr lang="en-US" dirty="0"/>
+              <a:rPr lang="en-US" dirty="0">
+                <a:hlinkClick r:id="rId2"/>
+              </a:rPr>
               <a:t>http://</a:t>
             </a:r>
             <a:r>
-              <a:rPr lang="en-US" dirty="0" err="1"/>
+              <a:rPr lang="en-US" dirty="0" err="1" smtClean="0">
+                <a:hlinkClick r:id="rId2"/>
+              </a:rPr>
               <a:t>www.antiphishing.org</a:t>
             </a:r>
-            <a:r>
-              <a:rPr lang="en-US" dirty="0"/>
-              <a:t>/</a:t>
-            </a:r>
+            <a:endParaRPr lang="en-US" dirty="0"/>
           </a:p>
         </p:txBody>
       </p:sp>
@@ -14042,7 +14097,7 @@
           <a:p>
             <a:fld id="{86101D45-A9CC-5C46-817F-E10C116B8195}" type="datetime1">
               <a:rPr lang="en-US" smtClean="0"/>
-              <a:t>8/10/16</a:t>
+              <a:t>9/29/16</a:t>
             </a:fld>
             <a:endParaRPr lang="en-US"/>
           </a:p>
@@ -14191,7 +14246,11 @@
           <a:p>
             <a:r>
               <a:rPr lang="en-US" dirty="0" smtClean="0"/>
-              <a:t>Moving toward behavioral-based</a:t>
+              <a:t>Moving toward </a:t>
+            </a:r>
+            <a:r>
+              <a:rPr lang="en-US" dirty="0" smtClean="0"/>
+              <a:t>behavior-based</a:t>
             </a:r>
             <a:endParaRPr lang="en-US" dirty="0"/>
           </a:p>
@@ -14214,7 +14273,7 @@
           <a:p>
             <a:fld id="{86101D45-A9CC-5C46-817F-E10C116B8195}" type="datetime1">
               <a:rPr lang="en-US" smtClean="0"/>
-              <a:t>8/10/16</a:t>
+              <a:t>9/29/16</a:t>
             </a:fld>
             <a:endParaRPr lang="en-US"/>
           </a:p>
@@ -14404,7 +14463,7 @@
           <a:p>
             <a:fld id="{86101D45-A9CC-5C46-817F-E10C116B8195}" type="datetime1">
               <a:rPr lang="en-US" smtClean="0"/>
-              <a:t>8/10/16</a:t>
+              <a:t>9/29/16</a:t>
             </a:fld>
             <a:endParaRPr lang="en-US"/>
           </a:p>
@@ -14510,7 +14569,7 @@
           <a:p>
             <a:r>
               <a:rPr lang="en-US" dirty="0" smtClean="0"/>
-              <a:t>What To Do</a:t>
+              <a:t>ATMs</a:t>
             </a:r>
             <a:endParaRPr lang="en-US" dirty="0"/>
           </a:p>
@@ -14533,13 +14592,13 @@
           <a:p>
             <a:r>
               <a:rPr lang="en-US" dirty="0" smtClean="0"/>
-              <a:t>Use firewalls</a:t>
-            </a:r>
-          </a:p>
-          <a:p>
-            <a:r>
-              <a:rPr lang="en-US" dirty="0" smtClean="0"/>
-              <a:t>Don’t allow macros to run</a:t>
+              <a:t>Skimming has been on the rise</a:t>
+            </a:r>
+          </a:p>
+          <a:p>
+            <a:r>
+              <a:rPr lang="en-US" dirty="0" smtClean="0"/>
+              <a:t>Cover the keypad as you type</a:t>
             </a:r>
             <a:endParaRPr lang="en-US" dirty="0"/>
           </a:p>
@@ -14562,7 +14621,7 @@
           <a:p>
             <a:fld id="{86101D45-A9CC-5C46-817F-E10C116B8195}" type="datetime1">
               <a:rPr lang="en-US" smtClean="0"/>
-              <a:t>8/10/16</a:t>
+              <a:t>9/29/16</a:t>
             </a:fld>
             <a:endParaRPr lang="en-US"/>
           </a:p>
@@ -14617,7 +14676,7 @@
     </p:spTree>
     <p:extLst>
       <p:ext uri="{BB962C8B-B14F-4D97-AF65-F5344CB8AC3E}">
-        <p14:creationId xmlns:p14="http://schemas.microsoft.com/office/powerpoint/2010/main" val="850737131"/>
+        <p14:creationId xmlns:p14="http://schemas.microsoft.com/office/powerpoint/2010/main" val="2179268082"/>
       </p:ext>
     </p:extLst>
   </p:cSld>
@@ -14668,7 +14727,7 @@
           <a:p>
             <a:r>
               <a:rPr lang="en-US" dirty="0" smtClean="0"/>
-              <a:t>ATMs</a:t>
+              <a:t>What To Do</a:t>
             </a:r>
             <a:endParaRPr lang="en-US" dirty="0"/>
           </a:p>
@@ -14691,13 +14750,13 @@
           <a:p>
             <a:r>
               <a:rPr lang="en-US" dirty="0" smtClean="0"/>
-              <a:t>Skimming has been on the rise</a:t>
-            </a:r>
-          </a:p>
-          <a:p>
-            <a:r>
-              <a:rPr lang="en-US" dirty="0" smtClean="0"/>
-              <a:t>Cover the keypad as you type</a:t>
+              <a:t>Use firewalls</a:t>
+            </a:r>
+          </a:p>
+          <a:p>
+            <a:r>
+              <a:rPr lang="en-US" dirty="0" smtClean="0"/>
+              <a:t>Don’t allow macros to run</a:t>
             </a:r>
             <a:endParaRPr lang="en-US" dirty="0"/>
           </a:p>
@@ -14720,7 +14779,7 @@
           <a:p>
             <a:fld id="{86101D45-A9CC-5C46-817F-E10C116B8195}" type="datetime1">
               <a:rPr lang="en-US" smtClean="0"/>
-              <a:t>8/10/16</a:t>
+              <a:t>9/29/16</a:t>
             </a:fld>
             <a:endParaRPr lang="en-US"/>
           </a:p>
@@ -14775,7 +14834,7 @@
     </p:spTree>
     <p:extLst>
       <p:ext uri="{BB962C8B-B14F-4D97-AF65-F5344CB8AC3E}">
-        <p14:creationId xmlns:p14="http://schemas.microsoft.com/office/powerpoint/2010/main" val="2179268082"/>
+        <p14:creationId xmlns:p14="http://schemas.microsoft.com/office/powerpoint/2010/main" val="850737131"/>
       </p:ext>
     </p:extLst>
   </p:cSld>
@@ -14856,7 +14915,7 @@
           <a:p>
             <a:fld id="{B604C185-A458-B240-9B42-B6D9F5126130}" type="datetime1">
               <a:rPr lang="en-US" smtClean="0"/>
-              <a:t>8/10/16</a:t>
+              <a:t>9/29/16</a:t>
             </a:fld>
             <a:endParaRPr lang="en-US"/>
           </a:p>
@@ -14997,7 +15056,7 @@
           <a:p>
             <a:fld id="{A111E3CA-43CC-1E46-8B1F-E3529E5E26B5}" type="datetime1">
               <a:rPr lang="en-US" smtClean="0"/>
-              <a:t>8/10/16</a:t>
+              <a:t>9/29/16</a:t>
             </a:fld>
             <a:endParaRPr lang="en-US"/>
           </a:p>
@@ -15138,7 +15197,7 @@
           <a:p>
             <a:fld id="{7036E4E3-ED75-9C4D-838C-755F2AA842A7}" type="datetime1">
               <a:rPr lang="en-US" smtClean="0"/>
-              <a:t>8/10/16</a:t>
+              <a:t>9/29/16</a:t>
             </a:fld>
             <a:endParaRPr lang="en-US"/>
           </a:p>
@@ -15279,7 +15338,7 @@
           <a:p>
             <a:fld id="{FCBA687A-3856-A640-AE6D-B5CC0DC90D5E}" type="datetime1">
               <a:rPr lang="en-US" smtClean="0"/>
-              <a:t>8/10/16</a:t>
+              <a:t>9/29/16</a:t>
             </a:fld>
             <a:endParaRPr lang="en-US"/>
           </a:p>
